--- a/ASONAM16/profiling.pptx
+++ b/ASONAM16/profiling.pptx
@@ -14,12 +14,12 @@
     <p:sldId id="256" r:id="rId2"/>
     <p:sldId id="711" r:id="rId3"/>
     <p:sldId id="712" r:id="rId4"/>
-    <p:sldId id="798" r:id="rId5"/>
+    <p:sldId id="829" r:id="rId5"/>
     <p:sldId id="794" r:id="rId6"/>
     <p:sldId id="795" r:id="rId7"/>
     <p:sldId id="796" r:id="rId8"/>
     <p:sldId id="797" r:id="rId9"/>
-    <p:sldId id="799" r:id="rId10"/>
+    <p:sldId id="830" r:id="rId10"/>
     <p:sldId id="801" r:id="rId11"/>
     <p:sldId id="828" r:id="rId12"/>
     <p:sldId id="827" r:id="rId13"/>
@@ -31,7 +31,7 @@
     <p:sldId id="807" r:id="rId19"/>
     <p:sldId id="812" r:id="rId20"/>
     <p:sldId id="813" r:id="rId21"/>
-    <p:sldId id="808" r:id="rId22"/>
+    <p:sldId id="831" r:id="rId22"/>
     <p:sldId id="811" r:id="rId23"/>
     <p:sldId id="818" r:id="rId24"/>
     <p:sldId id="814" r:id="rId25"/>
@@ -39,10 +39,10 @@
     <p:sldId id="817" r:id="rId27"/>
     <p:sldId id="819" r:id="rId28"/>
     <p:sldId id="820" r:id="rId29"/>
-    <p:sldId id="809" r:id="rId30"/>
+    <p:sldId id="832" r:id="rId30"/>
     <p:sldId id="822" r:id="rId31"/>
     <p:sldId id="823" r:id="rId32"/>
-    <p:sldId id="821" r:id="rId33"/>
+    <p:sldId id="833" r:id="rId33"/>
     <p:sldId id="825" r:id="rId34"/>
     <p:sldId id="826" r:id="rId35"/>
   </p:sldIdLst>
@@ -275,7 +275,7 @@
             <a:fld id="{FEB3ECEE-0D21-4F07-BB2D-93D9E09592DF}" type="datetimeFigureOut">
               <a:rPr lang="zh-CN" altLang="en-US" smtClean="0"/>
               <a:pPr/>
-              <a:t>16/8/8</a:t>
+              <a:t>16/8/10</a:t>
             </a:fld>
             <a:endParaRPr lang="zh-CN" altLang="en-US"/>
           </a:p>
@@ -4033,7 +4033,7 @@
         </p:nvSpPr>
         <p:spPr>
           <a:xfrm>
-            <a:off x="250374" y="2672916"/>
+            <a:off x="225423" y="2852936"/>
             <a:ext cx="9455154" cy="1470025"/>
           </a:xfrm>
         </p:spPr>
@@ -4117,76 +4117,6 @@
                 <a:solidFill>
                   <a:srgbClr val="C00000"/>
                 </a:solidFill>
-                <a:latin typeface="Helvetica Neue" charset="0"/>
-                <a:ea typeface="Helvetica Neue" charset="0"/>
-                <a:cs typeface="Helvetica Neue" charset="0"/>
-              </a:rPr>
-            </a:br>
-            <a:r>
-              <a:rPr lang="en-US" altLang="zh-CN" sz="4400" b="1" dirty="0" smtClean="0">
-                <a:solidFill>
-                  <a:srgbClr val="C00000"/>
-                </a:solidFill>
-                <a:latin typeface="Helvetica Neue" charset="0"/>
-                <a:ea typeface="Helvetica Neue" charset="0"/>
-                <a:cs typeface="Helvetica Neue" charset="0"/>
-              </a:rPr>
-              <a:t>using</a:t>
-            </a:r>
-            <a:r>
-              <a:rPr lang="zh-CN" altLang="en-US" sz="4400" b="1" dirty="0" smtClean="0">
-                <a:solidFill>
-                  <a:srgbClr val="C00000"/>
-                </a:solidFill>
-                <a:latin typeface="Helvetica Neue" charset="0"/>
-                <a:ea typeface="Helvetica Neue" charset="0"/>
-                <a:cs typeface="Helvetica Neue" charset="0"/>
-              </a:rPr>
-              <a:t> </a:t>
-            </a:r>
-            <a:r>
-              <a:rPr lang="en-US" altLang="zh-CN" sz="4400" b="1" dirty="0" smtClean="0">
-                <a:solidFill>
-                  <a:srgbClr val="C00000"/>
-                </a:solidFill>
-                <a:latin typeface="Helvetica Neue" charset="0"/>
-                <a:ea typeface="Helvetica Neue" charset="0"/>
-                <a:cs typeface="Helvetica Neue" charset="0"/>
-              </a:rPr>
-              <a:t>Big</a:t>
-            </a:r>
-            <a:r>
-              <a:rPr lang="zh-CN" altLang="en-US" sz="4400" b="1" dirty="0" smtClean="0">
-                <a:solidFill>
-                  <a:srgbClr val="C00000"/>
-                </a:solidFill>
-                <a:latin typeface="Helvetica Neue" charset="0"/>
-                <a:ea typeface="Helvetica Neue" charset="0"/>
-                <a:cs typeface="Helvetica Neue" charset="0"/>
-              </a:rPr>
-              <a:t> </a:t>
-            </a:r>
-            <a:r>
-              <a:rPr lang="en-US" altLang="zh-CN" sz="4400" b="1" dirty="0" smtClean="0">
-                <a:solidFill>
-                  <a:srgbClr val="C00000"/>
-                </a:solidFill>
-                <a:latin typeface="Helvetica Neue" charset="0"/>
-                <a:ea typeface="Helvetica Neue" charset="0"/>
-                <a:cs typeface="Helvetica Neue" charset="0"/>
-              </a:rPr>
-              <a:t>Data</a:t>
-            </a:r>
-            <a:r>
-              <a:rPr lang="en-US" altLang="zh-CN" sz="3600" dirty="0">
-                <a:latin typeface="Helvetica Neue" charset="0"/>
-                <a:ea typeface="Helvetica Neue" charset="0"/>
-                <a:cs typeface="Helvetica Neue" charset="0"/>
-              </a:rPr>
-              <a:t/>
-            </a:r>
-            <a:br>
-              <a:rPr lang="en-US" altLang="zh-CN" sz="3600" dirty="0">
                 <a:latin typeface="Helvetica Neue" charset="0"/>
                 <a:ea typeface="Helvetica Neue" charset="0"/>
                 <a:cs typeface="Helvetica Neue" charset="0"/>
@@ -4261,8 +4191,8 @@
         </p:nvSpPr>
         <p:spPr bwMode="auto">
           <a:xfrm>
-            <a:off x="818621" y="3897052"/>
-            <a:ext cx="8268758" cy="2124607"/>
+            <a:off x="818621" y="4365104"/>
+            <a:ext cx="8268758" cy="1440531"/>
           </a:xfrm>
           <a:prstGeom prst="rect">
             <a:avLst/>
@@ -11064,8 +10994,8 @@
         </p:nvSpPr>
         <p:spPr>
           <a:xfrm>
-            <a:off x="765105" y="728700"/>
-            <a:ext cx="4433906" cy="1200329"/>
+            <a:off x="765104" y="1124744"/>
+            <a:ext cx="4763227" cy="707886"/>
           </a:xfrm>
           <a:prstGeom prst="rect">
             <a:avLst/>
@@ -11079,74 +11009,36 @@
           <a:lstStyle/>
           <a:p>
             <a:r>
-              <a:rPr lang="en-US" altLang="zh-CN" sz="3600" b="1" dirty="0" smtClean="0">
+              <a:rPr lang="en-US" altLang="zh-CN" sz="4000" b="1" dirty="0" smtClean="0">
                 <a:latin typeface="+mj-lt"/>
               </a:rPr>
               <a:t>Web</a:t>
             </a:r>
             <a:r>
-              <a:rPr lang="zh-CN" altLang="en-US" sz="3600" b="1" dirty="0" smtClean="0">
+              <a:rPr lang="zh-CN" altLang="en-US" sz="4000" b="1" dirty="0" smtClean="0">
                 <a:latin typeface="+mj-lt"/>
               </a:rPr>
               <a:t> </a:t>
             </a:r>
             <a:r>
-              <a:rPr lang="en-US" altLang="zh-CN" sz="3600" b="1" dirty="0" smtClean="0">
+              <a:rPr lang="en-US" altLang="zh-CN" sz="4000" b="1" dirty="0" smtClean="0">
                 <a:latin typeface="+mj-lt"/>
               </a:rPr>
               <a:t>User</a:t>
             </a:r>
             <a:r>
-              <a:rPr lang="zh-CN" altLang="en-US" sz="3600" b="1" dirty="0" smtClean="0">
+              <a:rPr lang="zh-CN" altLang="en-US" sz="4000" b="1" dirty="0" smtClean="0">
                 <a:latin typeface="+mj-lt"/>
               </a:rPr>
               <a:t> </a:t>
             </a:r>
             <a:r>
-              <a:rPr lang="en-US" altLang="zh-CN" sz="3600" b="1" dirty="0" smtClean="0">
+              <a:rPr lang="en-US" altLang="zh-CN" sz="4000" b="1" dirty="0" smtClean="0">
                 <a:latin typeface="+mj-lt"/>
               </a:rPr>
               <a:t>Profiling</a:t>
             </a:r>
-            <a:r>
-              <a:rPr lang="zh-CN" altLang="en-US" sz="3600" b="1" dirty="0" smtClean="0">
-                <a:latin typeface="+mj-lt"/>
-              </a:rPr>
-              <a:t> </a:t>
-            </a:r>
-          </a:p>
-          <a:p>
-            <a:r>
-              <a:rPr lang="en-US" altLang="zh-CN" sz="3600" b="1" dirty="0" smtClean="0">
-                <a:latin typeface="+mj-lt"/>
-              </a:rPr>
-              <a:t>using</a:t>
-            </a:r>
-            <a:r>
-              <a:rPr lang="zh-CN" altLang="en-US" sz="3600" b="1" dirty="0" smtClean="0">
-                <a:latin typeface="+mj-lt"/>
-              </a:rPr>
-              <a:t> </a:t>
-            </a:r>
-            <a:r>
-              <a:rPr lang="en-US" altLang="zh-CN" sz="3600" b="1" dirty="0" smtClean="0">
-                <a:latin typeface="+mj-lt"/>
-              </a:rPr>
-              <a:t>Big</a:t>
-            </a:r>
-            <a:r>
-              <a:rPr lang="zh-CN" altLang="en-US" sz="3600" b="1" dirty="0" smtClean="0">
-                <a:latin typeface="+mj-lt"/>
-              </a:rPr>
-              <a:t> </a:t>
-            </a:r>
-            <a:r>
-              <a:rPr lang="en-US" altLang="zh-CN" sz="3600" b="1" dirty="0" smtClean="0">
-                <a:latin typeface="+mj-lt"/>
-              </a:rPr>
-              <a:t>Data</a:t>
-            </a:r>
-            <a:endParaRPr lang="zh-CN" altLang="en-US" sz="3600" b="1" dirty="0" smtClean="0">
+            <a:endParaRPr lang="zh-CN" altLang="en-US" sz="4000" b="1" dirty="0" smtClean="0">
               <a:latin typeface="+mj-lt"/>
             </a:endParaRPr>
           </a:p>
@@ -11187,39 +11079,7 @@
                   <a:srgbClr val="FF0000"/>
                 </a:solidFill>
               </a:rPr>
-              <a:t>Web</a:t>
-            </a:r>
-            <a:r>
-              <a:rPr lang="zh-CN" altLang="en-US" sz="2400" dirty="0" smtClean="0">
-                <a:solidFill>
-                  <a:srgbClr val="FF0000"/>
-                </a:solidFill>
-              </a:rPr>
-              <a:t> </a:t>
-            </a:r>
-            <a:r>
-              <a:rPr lang="en-US" altLang="zh-CN" sz="2400" dirty="0" smtClean="0">
-                <a:solidFill>
-                  <a:srgbClr val="FF0000"/>
-                </a:solidFill>
-              </a:rPr>
-              <a:t>User</a:t>
-            </a:r>
-            <a:r>
-              <a:rPr lang="zh-CN" altLang="en-US" sz="2400" dirty="0" smtClean="0">
-                <a:solidFill>
-                  <a:srgbClr val="FF0000"/>
-                </a:solidFill>
-              </a:rPr>
-              <a:t> </a:t>
-            </a:r>
-            <a:r>
-              <a:rPr lang="en-US" altLang="zh-CN" sz="2400" dirty="0" smtClean="0">
-                <a:solidFill>
-                  <a:srgbClr val="FF0000"/>
-                </a:solidFill>
-              </a:rPr>
-              <a:t>Profiling</a:t>
+              <a:t>Introduction</a:t>
             </a:r>
             <a:endParaRPr lang="zh-CN" altLang="en-US" sz="2400" dirty="0" smtClean="0">
               <a:solidFill>
@@ -11711,8 +11571,8 @@
         </p:nvSpPr>
         <p:spPr>
           <a:xfrm>
-            <a:off x="765105" y="728700"/>
-            <a:ext cx="4433906" cy="1200329"/>
+            <a:off x="765104" y="1124744"/>
+            <a:ext cx="4763227" cy="707886"/>
           </a:xfrm>
           <a:prstGeom prst="rect">
             <a:avLst/>
@@ -11726,68 +11586,36 @@
           <a:lstStyle/>
           <a:p>
             <a:r>
-              <a:rPr lang="en-US" altLang="zh-CN" sz="3600" b="1" dirty="0" smtClean="0">
+              <a:rPr lang="en-US" altLang="zh-CN" sz="4000" b="1" dirty="0" smtClean="0">
                 <a:latin typeface="+mj-lt"/>
               </a:rPr>
               <a:t>Web</a:t>
             </a:r>
             <a:r>
-              <a:rPr lang="zh-CN" altLang="en-US" sz="3600" b="1" dirty="0" smtClean="0">
+              <a:rPr lang="zh-CN" altLang="en-US" sz="4000" b="1" dirty="0" smtClean="0">
                 <a:latin typeface="+mj-lt"/>
               </a:rPr>
               <a:t> </a:t>
             </a:r>
             <a:r>
-              <a:rPr lang="en-US" altLang="zh-CN" sz="3600" b="1" dirty="0" smtClean="0">
+              <a:rPr lang="en-US" altLang="zh-CN" sz="4000" b="1" dirty="0" smtClean="0">
                 <a:latin typeface="+mj-lt"/>
               </a:rPr>
               <a:t>User</a:t>
             </a:r>
             <a:r>
-              <a:rPr lang="zh-CN" altLang="en-US" sz="3600" b="1" dirty="0" smtClean="0">
+              <a:rPr lang="zh-CN" altLang="en-US" sz="4000" b="1" dirty="0" smtClean="0">
                 <a:latin typeface="+mj-lt"/>
               </a:rPr>
               <a:t> </a:t>
             </a:r>
             <a:r>
-              <a:rPr lang="en-US" altLang="zh-CN" sz="3600" b="1" dirty="0" smtClean="0">
+              <a:rPr lang="en-US" altLang="zh-CN" sz="4000" b="1" dirty="0" smtClean="0">
                 <a:latin typeface="+mj-lt"/>
               </a:rPr>
               <a:t>Profiling</a:t>
             </a:r>
-            <a:r>
-              <a:rPr lang="zh-CN" altLang="en-US" sz="3600" b="1" dirty="0" smtClean="0">
-                <a:latin typeface="+mj-lt"/>
-              </a:rPr>
-              <a:t> </a:t>
-            </a:r>
-          </a:p>
-          <a:p>
-            <a:r>
-              <a:rPr lang="en-US" altLang="zh-CN" sz="3600" b="1" dirty="0" smtClean="0">
-                <a:latin typeface="+mj-lt"/>
-              </a:rPr>
-              <a:t>using</a:t>
-            </a:r>
-            <a:r>
-              <a:rPr lang="zh-CN" altLang="en-US" sz="3600" b="1" dirty="0" smtClean="0">
-                <a:latin typeface="+mj-lt"/>
-              </a:rPr>
-              <a:t> </a:t>
-            </a:r>
-            <a:r>
-              <a:rPr lang="en-US" altLang="zh-CN" sz="3600" b="1" dirty="0"/>
-              <a:t>Big</a:t>
-            </a:r>
-            <a:r>
-              <a:rPr lang="zh-CN" altLang="en-US" sz="3600" b="1" dirty="0"/>
-              <a:t> </a:t>
-            </a:r>
-            <a:r>
-              <a:rPr lang="en-US" altLang="zh-CN" sz="3600" b="1" dirty="0"/>
-              <a:t>Data</a:t>
-            </a:r>
-            <a:endParaRPr lang="zh-CN" altLang="en-US" sz="3600" b="1" dirty="0" smtClean="0">
+            <a:endParaRPr lang="zh-CN" altLang="en-US" sz="4000" b="1" dirty="0" smtClean="0">
               <a:latin typeface="+mj-lt"/>
             </a:endParaRPr>
           </a:p>
@@ -11801,8 +11629,8 @@
         </p:nvSpPr>
         <p:spPr>
           <a:xfrm>
-            <a:off x="765105" y="2348880"/>
-            <a:ext cx="3717762" cy="3785652"/>
+            <a:off x="765104" y="2348880"/>
+            <a:ext cx="4979983" cy="3785652"/>
           </a:xfrm>
           <a:prstGeom prst="rect">
             <a:avLst/>
@@ -11824,23 +11652,7 @@
             </a:pPr>
             <a:r>
               <a:rPr lang="en-US" altLang="zh-CN" sz="2400" dirty="0" smtClean="0"/>
-              <a:t>Web</a:t>
-            </a:r>
-            <a:r>
-              <a:rPr lang="zh-CN" altLang="en-US" sz="2400" dirty="0" smtClean="0"/>
-              <a:t> </a:t>
-            </a:r>
-            <a:r>
-              <a:rPr lang="en-US" altLang="zh-CN" sz="2400" dirty="0" smtClean="0"/>
-              <a:t>User</a:t>
-            </a:r>
-            <a:r>
-              <a:rPr lang="zh-CN" altLang="en-US" sz="2400" dirty="0" smtClean="0"/>
-              <a:t> </a:t>
-            </a:r>
-            <a:r>
-              <a:rPr lang="en-US" altLang="zh-CN" sz="2400" dirty="0" smtClean="0"/>
-              <a:t>Profiling</a:t>
+              <a:t>Introduction</a:t>
             </a:r>
             <a:endParaRPr lang="zh-CN" altLang="en-US" sz="2400" dirty="0" smtClean="0"/>
           </a:p>
@@ -11897,14 +11709,14 @@
               <a:buChar char="•"/>
             </a:pPr>
             <a:r>
-              <a:rPr lang="en-US" altLang="zh-CN" sz="2400" dirty="0" err="1">
+              <a:rPr lang="en-US" altLang="zh-CN" sz="2400" dirty="0" err="1" smtClean="0">
                 <a:solidFill>
                   <a:srgbClr val="FF0000"/>
                 </a:solidFill>
               </a:rPr>
               <a:t>MagicFG</a:t>
             </a:r>
-            <a:endParaRPr lang="zh-CN" altLang="en-US" sz="2400" dirty="0">
+            <a:endParaRPr lang="zh-CN" altLang="en-US" sz="2400" dirty="0" smtClean="0">
               <a:solidFill>
                 <a:srgbClr val="FF0000"/>
               </a:solidFill>
@@ -11919,10 +11731,10 @@
               <a:buChar char="•"/>
             </a:pPr>
             <a:r>
-              <a:rPr lang="en-US" altLang="zh-CN" sz="2400" dirty="0"/>
+              <a:rPr lang="en-US" altLang="zh-CN" sz="2400" dirty="0" smtClean="0"/>
               <a:t>Experiments</a:t>
             </a:r>
-            <a:endParaRPr lang="zh-CN" altLang="en-US" sz="2400" dirty="0"/>
+            <a:endParaRPr lang="zh-CN" altLang="en-US" sz="2400" dirty="0" smtClean="0"/>
           </a:p>
           <a:p>
             <a:pPr marL="342900" indent="-342900">
@@ -11933,7 +11745,7 @@
               <a:buChar char="•"/>
             </a:pPr>
             <a:r>
-              <a:rPr lang="en-US" altLang="zh-CN" sz="2400" dirty="0"/>
+              <a:rPr lang="en-US" altLang="zh-CN" sz="2400" dirty="0" smtClean="0"/>
               <a:t>Conclusion</a:t>
             </a:r>
             <a:endParaRPr lang="en-US" sz="2400" dirty="0"/>
@@ -11943,7 +11755,7 @@
     </p:spTree>
     <p:extLst>
       <p:ext uri="{BB962C8B-B14F-4D97-AF65-F5344CB8AC3E}">
-        <p14:creationId xmlns:p14="http://schemas.microsoft.com/office/powerpoint/2010/main" val="1158264670"/>
+        <p14:creationId xmlns:p14="http://schemas.microsoft.com/office/powerpoint/2010/main" val="1853269203"/>
       </p:ext>
     </p:extLst>
   </p:cSld>
@@ -15918,8 +15730,8 @@
         </p:nvSpPr>
         <p:spPr>
           <a:xfrm>
-            <a:off x="765105" y="728700"/>
-            <a:ext cx="4433906" cy="1200329"/>
+            <a:off x="765104" y="1124744"/>
+            <a:ext cx="4763227" cy="707886"/>
           </a:xfrm>
           <a:prstGeom prst="rect">
             <a:avLst/>
@@ -15933,68 +15745,36 @@
           <a:lstStyle/>
           <a:p>
             <a:r>
-              <a:rPr lang="en-US" altLang="zh-CN" sz="3600" b="1" dirty="0" smtClean="0">
+              <a:rPr lang="en-US" altLang="zh-CN" sz="4000" b="1" dirty="0" smtClean="0">
                 <a:latin typeface="+mj-lt"/>
               </a:rPr>
               <a:t>Web</a:t>
             </a:r>
             <a:r>
-              <a:rPr lang="zh-CN" altLang="en-US" sz="3600" b="1" dirty="0" smtClean="0">
+              <a:rPr lang="zh-CN" altLang="en-US" sz="4000" b="1" dirty="0" smtClean="0">
                 <a:latin typeface="+mj-lt"/>
               </a:rPr>
               <a:t> </a:t>
             </a:r>
             <a:r>
-              <a:rPr lang="en-US" altLang="zh-CN" sz="3600" b="1" dirty="0" smtClean="0">
+              <a:rPr lang="en-US" altLang="zh-CN" sz="4000" b="1" dirty="0" smtClean="0">
                 <a:latin typeface="+mj-lt"/>
               </a:rPr>
               <a:t>User</a:t>
             </a:r>
             <a:r>
-              <a:rPr lang="zh-CN" altLang="en-US" sz="3600" b="1" dirty="0" smtClean="0">
+              <a:rPr lang="zh-CN" altLang="en-US" sz="4000" b="1" dirty="0" smtClean="0">
                 <a:latin typeface="+mj-lt"/>
               </a:rPr>
               <a:t> </a:t>
             </a:r>
             <a:r>
-              <a:rPr lang="en-US" altLang="zh-CN" sz="3600" b="1" dirty="0" smtClean="0">
+              <a:rPr lang="en-US" altLang="zh-CN" sz="4000" b="1" dirty="0" smtClean="0">
                 <a:latin typeface="+mj-lt"/>
               </a:rPr>
               <a:t>Profiling</a:t>
             </a:r>
-            <a:r>
-              <a:rPr lang="zh-CN" altLang="en-US" sz="3600" b="1" dirty="0" smtClean="0">
-                <a:latin typeface="+mj-lt"/>
-              </a:rPr>
-              <a:t> </a:t>
-            </a:r>
-          </a:p>
-          <a:p>
-            <a:r>
-              <a:rPr lang="en-US" altLang="zh-CN" sz="3600" b="1" dirty="0" smtClean="0">
-                <a:latin typeface="+mj-lt"/>
-              </a:rPr>
-              <a:t>using</a:t>
-            </a:r>
-            <a:r>
-              <a:rPr lang="zh-CN" altLang="en-US" sz="3600" b="1" dirty="0" smtClean="0">
-                <a:latin typeface="+mj-lt"/>
-              </a:rPr>
-              <a:t> </a:t>
-            </a:r>
-            <a:r>
-              <a:rPr lang="en-US" altLang="zh-CN" sz="3600" b="1" dirty="0"/>
-              <a:t>Big</a:t>
-            </a:r>
-            <a:r>
-              <a:rPr lang="zh-CN" altLang="en-US" sz="3600" b="1" dirty="0"/>
-              <a:t> </a:t>
-            </a:r>
-            <a:r>
-              <a:rPr lang="en-US" altLang="zh-CN" sz="3600" b="1" dirty="0"/>
-              <a:t>Data</a:t>
-            </a:r>
-            <a:endParaRPr lang="zh-CN" altLang="en-US" sz="3600" b="1" dirty="0" smtClean="0">
+            <a:endParaRPr lang="zh-CN" altLang="en-US" sz="4000" b="1" dirty="0" smtClean="0">
               <a:latin typeface="+mj-lt"/>
             </a:endParaRPr>
           </a:p>
@@ -16008,8 +15788,8 @@
         </p:nvSpPr>
         <p:spPr>
           <a:xfrm>
-            <a:off x="765105" y="2348880"/>
-            <a:ext cx="3717762" cy="3785652"/>
+            <a:off x="765104" y="2348880"/>
+            <a:ext cx="4979983" cy="3785652"/>
           </a:xfrm>
           <a:prstGeom prst="rect">
             <a:avLst/>
@@ -16031,23 +15811,7 @@
             </a:pPr>
             <a:r>
               <a:rPr lang="en-US" altLang="zh-CN" sz="2400" dirty="0" smtClean="0"/>
-              <a:t>Web</a:t>
-            </a:r>
-            <a:r>
-              <a:rPr lang="zh-CN" altLang="en-US" sz="2400" dirty="0" smtClean="0"/>
-              <a:t> </a:t>
-            </a:r>
-            <a:r>
-              <a:rPr lang="en-US" altLang="zh-CN" sz="2400" dirty="0" smtClean="0"/>
-              <a:t>User</a:t>
-            </a:r>
-            <a:r>
-              <a:rPr lang="zh-CN" altLang="en-US" sz="2400" dirty="0" smtClean="0"/>
-              <a:t> </a:t>
-            </a:r>
-            <a:r>
-              <a:rPr lang="en-US" altLang="zh-CN" sz="2400" dirty="0" smtClean="0"/>
-              <a:t>Profiling</a:t>
+              <a:t>Introduction</a:t>
             </a:r>
             <a:endParaRPr lang="zh-CN" altLang="en-US" sz="2400" dirty="0" smtClean="0"/>
           </a:p>
@@ -16104,10 +15868,10 @@
               <a:buChar char="•"/>
             </a:pPr>
             <a:r>
-              <a:rPr lang="en-US" altLang="zh-CN" sz="2400" dirty="0" err="1"/>
+              <a:rPr lang="en-US" altLang="zh-CN" sz="2400" dirty="0" err="1" smtClean="0"/>
               <a:t>MagicFG</a:t>
             </a:r>
-            <a:endParaRPr lang="zh-CN" altLang="en-US" sz="2400" dirty="0"/>
+            <a:endParaRPr lang="zh-CN" altLang="en-US" sz="2400" dirty="0" smtClean="0"/>
           </a:p>
           <a:p>
             <a:pPr marL="342900" indent="-342900">
@@ -16118,14 +15882,14 @@
               <a:buChar char="•"/>
             </a:pPr>
             <a:r>
-              <a:rPr lang="en-US" altLang="zh-CN" sz="2400" dirty="0">
+              <a:rPr lang="en-US" altLang="zh-CN" sz="2400" dirty="0" smtClean="0">
                 <a:solidFill>
                   <a:srgbClr val="FF0000"/>
                 </a:solidFill>
               </a:rPr>
               <a:t>Experiments</a:t>
             </a:r>
-            <a:endParaRPr lang="zh-CN" altLang="en-US" sz="2400" dirty="0">
+            <a:endParaRPr lang="zh-CN" altLang="en-US" sz="2400" dirty="0" smtClean="0">
               <a:solidFill>
                 <a:srgbClr val="FF0000"/>
               </a:solidFill>
@@ -16140,7 +15904,7 @@
               <a:buChar char="•"/>
             </a:pPr>
             <a:r>
-              <a:rPr lang="en-US" altLang="zh-CN" sz="2400" dirty="0"/>
+              <a:rPr lang="en-US" altLang="zh-CN" sz="2400" dirty="0" smtClean="0"/>
               <a:t>Conclusion</a:t>
             </a:r>
             <a:endParaRPr lang="en-US" sz="2400" dirty="0"/>
@@ -16150,7 +15914,7 @@
     </p:spTree>
     <p:extLst>
       <p:ext uri="{BB962C8B-B14F-4D97-AF65-F5344CB8AC3E}">
-        <p14:creationId xmlns:p14="http://schemas.microsoft.com/office/powerpoint/2010/main" val="554323261"/>
+        <p14:creationId xmlns:p14="http://schemas.microsoft.com/office/powerpoint/2010/main" val="136047148"/>
       </p:ext>
     </p:extLst>
   </p:cSld>
@@ -18296,8 +18060,8 @@
         </p:nvSpPr>
         <p:spPr>
           <a:xfrm>
-            <a:off x="765105" y="728700"/>
-            <a:ext cx="4433906" cy="1200329"/>
+            <a:off x="765104" y="1124744"/>
+            <a:ext cx="4763227" cy="707886"/>
           </a:xfrm>
           <a:prstGeom prst="rect">
             <a:avLst/>
@@ -18311,68 +18075,36 @@
           <a:lstStyle/>
           <a:p>
             <a:r>
-              <a:rPr lang="en-US" altLang="zh-CN" sz="3600" b="1" dirty="0" smtClean="0">
+              <a:rPr lang="en-US" altLang="zh-CN" sz="4000" b="1" dirty="0" smtClean="0">
                 <a:latin typeface="+mj-lt"/>
               </a:rPr>
               <a:t>Web</a:t>
             </a:r>
             <a:r>
-              <a:rPr lang="zh-CN" altLang="en-US" sz="3600" b="1" dirty="0" smtClean="0">
+              <a:rPr lang="zh-CN" altLang="en-US" sz="4000" b="1" dirty="0" smtClean="0">
                 <a:latin typeface="+mj-lt"/>
               </a:rPr>
               <a:t> </a:t>
             </a:r>
             <a:r>
-              <a:rPr lang="en-US" altLang="zh-CN" sz="3600" b="1" dirty="0" smtClean="0">
+              <a:rPr lang="en-US" altLang="zh-CN" sz="4000" b="1" dirty="0" smtClean="0">
                 <a:latin typeface="+mj-lt"/>
               </a:rPr>
               <a:t>User</a:t>
             </a:r>
             <a:r>
-              <a:rPr lang="zh-CN" altLang="en-US" sz="3600" b="1" dirty="0" smtClean="0">
+              <a:rPr lang="zh-CN" altLang="en-US" sz="4000" b="1" dirty="0" smtClean="0">
                 <a:latin typeface="+mj-lt"/>
               </a:rPr>
               <a:t> </a:t>
             </a:r>
             <a:r>
-              <a:rPr lang="en-US" altLang="zh-CN" sz="3600" b="1" dirty="0" smtClean="0">
+              <a:rPr lang="en-US" altLang="zh-CN" sz="4000" b="1" dirty="0" smtClean="0">
                 <a:latin typeface="+mj-lt"/>
               </a:rPr>
               <a:t>Profiling</a:t>
             </a:r>
-            <a:r>
-              <a:rPr lang="zh-CN" altLang="en-US" sz="3600" b="1" dirty="0" smtClean="0">
-                <a:latin typeface="+mj-lt"/>
-              </a:rPr>
-              <a:t> </a:t>
-            </a:r>
-          </a:p>
-          <a:p>
-            <a:r>
-              <a:rPr lang="en-US" altLang="zh-CN" sz="3600" b="1" dirty="0" smtClean="0">
-                <a:latin typeface="+mj-lt"/>
-              </a:rPr>
-              <a:t>using</a:t>
-            </a:r>
-            <a:r>
-              <a:rPr lang="zh-CN" altLang="en-US" sz="3600" b="1" dirty="0" smtClean="0">
-                <a:latin typeface="+mj-lt"/>
-              </a:rPr>
-              <a:t> </a:t>
-            </a:r>
-            <a:r>
-              <a:rPr lang="en-US" altLang="zh-CN" sz="3600" b="1" dirty="0"/>
-              <a:t>Big</a:t>
-            </a:r>
-            <a:r>
-              <a:rPr lang="zh-CN" altLang="en-US" sz="3600" b="1" dirty="0"/>
-              <a:t> </a:t>
-            </a:r>
-            <a:r>
-              <a:rPr lang="en-US" altLang="zh-CN" sz="3600" b="1" dirty="0"/>
-              <a:t>Data</a:t>
-            </a:r>
-            <a:endParaRPr lang="zh-CN" altLang="en-US" sz="3600" b="1" dirty="0" smtClean="0">
+            <a:endParaRPr lang="zh-CN" altLang="en-US" sz="4000" b="1" dirty="0" smtClean="0">
               <a:latin typeface="+mj-lt"/>
             </a:endParaRPr>
           </a:p>
@@ -18386,8 +18118,8 @@
         </p:nvSpPr>
         <p:spPr>
           <a:xfrm>
-            <a:off x="765105" y="2348880"/>
-            <a:ext cx="3717762" cy="3785652"/>
+            <a:off x="765104" y="2348880"/>
+            <a:ext cx="4979983" cy="3785652"/>
           </a:xfrm>
           <a:prstGeom prst="rect">
             <a:avLst/>
@@ -18409,23 +18141,7 @@
             </a:pPr>
             <a:r>
               <a:rPr lang="en-US" altLang="zh-CN" sz="2400" dirty="0" smtClean="0"/>
-              <a:t>Web</a:t>
-            </a:r>
-            <a:r>
-              <a:rPr lang="zh-CN" altLang="en-US" sz="2400" dirty="0" smtClean="0"/>
-              <a:t> </a:t>
-            </a:r>
-            <a:r>
-              <a:rPr lang="en-US" altLang="zh-CN" sz="2400" dirty="0" smtClean="0"/>
-              <a:t>User</a:t>
-            </a:r>
-            <a:r>
-              <a:rPr lang="zh-CN" altLang="en-US" sz="2400" dirty="0" smtClean="0"/>
-              <a:t> </a:t>
-            </a:r>
-            <a:r>
-              <a:rPr lang="en-US" altLang="zh-CN" sz="2400" dirty="0" smtClean="0"/>
-              <a:t>Profiling</a:t>
+              <a:t>Introduction</a:t>
             </a:r>
             <a:endParaRPr lang="zh-CN" altLang="en-US" sz="2400" dirty="0" smtClean="0"/>
           </a:p>
@@ -18482,10 +18198,10 @@
               <a:buChar char="•"/>
             </a:pPr>
             <a:r>
-              <a:rPr lang="en-US" altLang="zh-CN" sz="2400" dirty="0" err="1"/>
+              <a:rPr lang="en-US" altLang="zh-CN" sz="2400" dirty="0" err="1" smtClean="0"/>
               <a:t>MagicFG</a:t>
             </a:r>
-            <a:endParaRPr lang="zh-CN" altLang="en-US" sz="2400" dirty="0"/>
+            <a:endParaRPr lang="zh-CN" altLang="en-US" sz="2400" dirty="0" smtClean="0"/>
           </a:p>
           <a:p>
             <a:pPr marL="342900" indent="-342900">
@@ -18496,10 +18212,10 @@
               <a:buChar char="•"/>
             </a:pPr>
             <a:r>
-              <a:rPr lang="en-US" altLang="zh-CN" sz="2400" dirty="0"/>
+              <a:rPr lang="en-US" altLang="zh-CN" sz="2400" dirty="0" smtClean="0"/>
               <a:t>Experiments</a:t>
             </a:r>
-            <a:endParaRPr lang="zh-CN" altLang="en-US" sz="2400" dirty="0"/>
+            <a:endParaRPr lang="zh-CN" altLang="en-US" sz="2400" dirty="0" smtClean="0"/>
           </a:p>
           <a:p>
             <a:pPr marL="342900" indent="-342900">
@@ -18510,7 +18226,7 @@
               <a:buChar char="•"/>
             </a:pPr>
             <a:r>
-              <a:rPr lang="en-US" altLang="zh-CN" sz="2400" dirty="0">
+              <a:rPr lang="en-US" altLang="zh-CN" sz="2400" dirty="0" smtClean="0">
                 <a:solidFill>
                   <a:srgbClr val="FF0000"/>
                 </a:solidFill>
@@ -18528,7 +18244,7 @@
     </p:spTree>
     <p:extLst>
       <p:ext uri="{BB962C8B-B14F-4D97-AF65-F5344CB8AC3E}">
-        <p14:creationId xmlns:p14="http://schemas.microsoft.com/office/powerpoint/2010/main" val="120600435"/>
+        <p14:creationId xmlns:p14="http://schemas.microsoft.com/office/powerpoint/2010/main" val="1418888918"/>
       </p:ext>
     </p:extLst>
   </p:cSld>
@@ -19298,8 +19014,8 @@
         </p:nvSpPr>
         <p:spPr>
           <a:xfrm>
-            <a:off x="765105" y="728700"/>
-            <a:ext cx="4433906" cy="1200329"/>
+            <a:off x="765104" y="1124744"/>
+            <a:ext cx="4763227" cy="707886"/>
           </a:xfrm>
           <a:prstGeom prst="rect">
             <a:avLst/>
@@ -19313,74 +19029,36 @@
           <a:lstStyle/>
           <a:p>
             <a:r>
-              <a:rPr lang="en-US" altLang="zh-CN" sz="3600" b="1" dirty="0" smtClean="0">
+              <a:rPr lang="en-US" altLang="zh-CN" sz="4000" b="1" dirty="0" smtClean="0">
                 <a:latin typeface="+mj-lt"/>
               </a:rPr>
               <a:t>Web</a:t>
             </a:r>
             <a:r>
-              <a:rPr lang="zh-CN" altLang="en-US" sz="3600" b="1" dirty="0" smtClean="0">
+              <a:rPr lang="zh-CN" altLang="en-US" sz="4000" b="1" dirty="0" smtClean="0">
                 <a:latin typeface="+mj-lt"/>
               </a:rPr>
               <a:t> </a:t>
             </a:r>
             <a:r>
-              <a:rPr lang="en-US" altLang="zh-CN" sz="3600" b="1" dirty="0" smtClean="0">
+              <a:rPr lang="en-US" altLang="zh-CN" sz="4000" b="1" dirty="0" smtClean="0">
                 <a:latin typeface="+mj-lt"/>
               </a:rPr>
               <a:t>User</a:t>
             </a:r>
             <a:r>
-              <a:rPr lang="zh-CN" altLang="en-US" sz="3600" b="1" dirty="0" smtClean="0">
+              <a:rPr lang="zh-CN" altLang="en-US" sz="4000" b="1" dirty="0" smtClean="0">
                 <a:latin typeface="+mj-lt"/>
               </a:rPr>
               <a:t> </a:t>
             </a:r>
             <a:r>
-              <a:rPr lang="en-US" altLang="zh-CN" sz="3600" b="1" dirty="0" smtClean="0">
+              <a:rPr lang="en-US" altLang="zh-CN" sz="4000" b="1" dirty="0" smtClean="0">
                 <a:latin typeface="+mj-lt"/>
               </a:rPr>
               <a:t>Profiling</a:t>
             </a:r>
-            <a:r>
-              <a:rPr lang="zh-CN" altLang="en-US" sz="3600" b="1" dirty="0" smtClean="0">
-                <a:latin typeface="+mj-lt"/>
-              </a:rPr>
-              <a:t> </a:t>
-            </a:r>
-          </a:p>
-          <a:p>
-            <a:r>
-              <a:rPr lang="en-US" altLang="zh-CN" sz="3600" b="1" dirty="0" smtClean="0">
-                <a:latin typeface="+mj-lt"/>
-              </a:rPr>
-              <a:t>using</a:t>
-            </a:r>
-            <a:r>
-              <a:rPr lang="zh-CN" altLang="en-US" sz="3600" b="1" dirty="0" smtClean="0">
-                <a:latin typeface="+mj-lt"/>
-              </a:rPr>
-              <a:t> </a:t>
-            </a:r>
-            <a:r>
-              <a:rPr lang="en-US" altLang="zh-CN" sz="3600" b="1" dirty="0" smtClean="0">
-                <a:latin typeface="+mj-lt"/>
-              </a:rPr>
-              <a:t>Big</a:t>
-            </a:r>
-            <a:r>
-              <a:rPr lang="zh-CN" altLang="en-US" sz="3600" b="1" dirty="0" smtClean="0">
-                <a:latin typeface="+mj-lt"/>
-              </a:rPr>
-              <a:t> </a:t>
-            </a:r>
-            <a:r>
-              <a:rPr lang="en-US" altLang="zh-CN" sz="3600" b="1" dirty="0" smtClean="0">
-                <a:latin typeface="+mj-lt"/>
-              </a:rPr>
-              <a:t>Data</a:t>
-            </a:r>
-            <a:endParaRPr lang="zh-CN" altLang="en-US" sz="3600" b="1" dirty="0" smtClean="0">
+            <a:endParaRPr lang="zh-CN" altLang="en-US" sz="4000" b="1" dirty="0" smtClean="0">
               <a:latin typeface="+mj-lt"/>
             </a:endParaRPr>
           </a:p>
@@ -19395,7 +19073,7 @@
         <p:spPr>
           <a:xfrm>
             <a:off x="765104" y="2348880"/>
-            <a:ext cx="5087995" cy="3785652"/>
+            <a:ext cx="4979983" cy="3785652"/>
           </a:xfrm>
           <a:prstGeom prst="rect">
             <a:avLst/>
@@ -19417,23 +19095,7 @@
             </a:pPr>
             <a:r>
               <a:rPr lang="en-US" altLang="zh-CN" sz="2400" dirty="0" smtClean="0"/>
-              <a:t>Web</a:t>
-            </a:r>
-            <a:r>
-              <a:rPr lang="zh-CN" altLang="en-US" sz="2400" dirty="0" smtClean="0"/>
-              <a:t> </a:t>
-            </a:r>
-            <a:r>
-              <a:rPr lang="en-US" altLang="zh-CN" sz="2400" dirty="0" smtClean="0"/>
-              <a:t>User</a:t>
-            </a:r>
-            <a:r>
-              <a:rPr lang="zh-CN" altLang="en-US" sz="2400" dirty="0" smtClean="0"/>
-              <a:t> </a:t>
-            </a:r>
-            <a:r>
-              <a:rPr lang="en-US" altLang="zh-CN" sz="2400" dirty="0" smtClean="0"/>
-              <a:t>Profiling</a:t>
+              <a:t>Introduction</a:t>
             </a:r>
             <a:endParaRPr lang="zh-CN" altLang="en-US" sz="2400" dirty="0" smtClean="0"/>
           </a:p>
@@ -19506,10 +19168,10 @@
               <a:buChar char="•"/>
             </a:pPr>
             <a:r>
-              <a:rPr lang="en-US" altLang="zh-CN" sz="2400" dirty="0" err="1"/>
+              <a:rPr lang="en-US" altLang="zh-CN" sz="2400" dirty="0" err="1" smtClean="0"/>
               <a:t>MagicFG</a:t>
             </a:r>
-            <a:endParaRPr lang="zh-CN" altLang="en-US" sz="2400" dirty="0"/>
+            <a:endParaRPr lang="zh-CN" altLang="en-US" sz="2400" dirty="0" smtClean="0"/>
           </a:p>
           <a:p>
             <a:pPr marL="342900" indent="-342900">
@@ -19520,10 +19182,10 @@
               <a:buChar char="•"/>
             </a:pPr>
             <a:r>
-              <a:rPr lang="en-US" altLang="zh-CN" sz="2400" dirty="0"/>
+              <a:rPr lang="en-US" altLang="zh-CN" sz="2400" dirty="0" smtClean="0"/>
               <a:t>Experiments</a:t>
             </a:r>
-            <a:endParaRPr lang="zh-CN" altLang="en-US" sz="2400" dirty="0"/>
+            <a:endParaRPr lang="zh-CN" altLang="en-US" sz="2400" dirty="0" smtClean="0"/>
           </a:p>
           <a:p>
             <a:pPr marL="342900" indent="-342900">
@@ -19534,7 +19196,7 @@
               <a:buChar char="•"/>
             </a:pPr>
             <a:r>
-              <a:rPr lang="en-US" altLang="zh-CN" sz="2400" dirty="0"/>
+              <a:rPr lang="en-US" altLang="zh-CN" sz="2400" dirty="0" smtClean="0"/>
               <a:t>Conclusion</a:t>
             </a:r>
             <a:endParaRPr lang="en-US" sz="2400" dirty="0"/>
@@ -19544,7 +19206,7 @@
     </p:spTree>
     <p:extLst>
       <p:ext uri="{BB962C8B-B14F-4D97-AF65-F5344CB8AC3E}">
-        <p14:creationId xmlns:p14="http://schemas.microsoft.com/office/powerpoint/2010/main" val="1232619581"/>
+        <p14:creationId xmlns:p14="http://schemas.microsoft.com/office/powerpoint/2010/main" val="143009579"/>
       </p:ext>
     </p:extLst>
   </p:cSld>
@@ -21363,8 +21025,8 @@
         </p:nvSpPr>
         <p:spPr>
           <a:xfrm>
-            <a:off x="765105" y="728700"/>
-            <a:ext cx="4433906" cy="1200329"/>
+            <a:off x="765104" y="1124744"/>
+            <a:ext cx="4763227" cy="707886"/>
           </a:xfrm>
           <a:prstGeom prst="rect">
             <a:avLst/>
@@ -21378,68 +21040,38 @@
           <a:lstStyle/>
           <a:p>
             <a:r>
-              <a:rPr lang="en-US" altLang="zh-CN" sz="3600" b="1" dirty="0" smtClean="0">
+              <a:rPr lang="en-US" altLang="zh-CN" sz="4000" b="1" dirty="0" smtClean="0">
                 <a:latin typeface="+mj-lt"/>
               </a:rPr>
               <a:t>Web</a:t>
             </a:r>
             <a:r>
-              <a:rPr lang="zh-CN" altLang="en-US" sz="3600" b="1" dirty="0" smtClean="0">
+              <a:rPr lang="zh-CN" altLang="en-US" sz="4000" b="1" dirty="0" smtClean="0">
                 <a:latin typeface="+mj-lt"/>
               </a:rPr>
               <a:t> </a:t>
             </a:r>
             <a:r>
-              <a:rPr lang="en-US" altLang="zh-CN" sz="3600" b="1" dirty="0" smtClean="0">
+              <a:rPr lang="en-US" altLang="zh-CN" sz="4000" b="1" dirty="0" smtClean="0">
                 <a:latin typeface="+mj-lt"/>
               </a:rPr>
               <a:t>User</a:t>
             </a:r>
             <a:r>
-              <a:rPr lang="zh-CN" altLang="en-US" sz="3600" b="1" dirty="0" smtClean="0">
+              <a:rPr lang="zh-CN" altLang="en-US" sz="4000" b="1" dirty="0" smtClean="0">
                 <a:latin typeface="+mj-lt"/>
               </a:rPr>
               <a:t> </a:t>
             </a:r>
             <a:r>
-              <a:rPr lang="en-US" altLang="zh-CN" sz="3600" b="1" dirty="0" smtClean="0">
+              <a:rPr lang="en-US" altLang="zh-CN" sz="4000" b="1" dirty="0" smtClean="0">
                 <a:latin typeface="+mj-lt"/>
               </a:rPr>
               <a:t>Profiling</a:t>
             </a:r>
-            <a:r>
-              <a:rPr lang="zh-CN" altLang="en-US" sz="3600" b="1" dirty="0" smtClean="0">
-                <a:latin typeface="+mj-lt"/>
-              </a:rPr>
-              <a:t> </a:t>
-            </a:r>
-          </a:p>
-          <a:p>
-            <a:r>
-              <a:rPr lang="en-US" altLang="zh-CN" sz="3600" b="1" dirty="0" smtClean="0">
-                <a:latin typeface="+mj-lt"/>
-              </a:rPr>
-              <a:t>using</a:t>
-            </a:r>
-            <a:r>
-              <a:rPr lang="zh-CN" altLang="en-US" sz="3600" b="1" dirty="0" smtClean="0">
-                <a:latin typeface="+mj-lt"/>
-              </a:rPr>
-              <a:t> </a:t>
-            </a:r>
-            <a:r>
-              <a:rPr lang="en-US" altLang="zh-CN" sz="3600" b="1" dirty="0"/>
-              <a:t>Big</a:t>
-            </a:r>
-            <a:r>
-              <a:rPr lang="zh-CN" altLang="en-US" sz="3600" b="1" dirty="0"/>
-              <a:t> </a:t>
-            </a:r>
-            <a:r>
-              <a:rPr lang="en-US" altLang="zh-CN" sz="3600" b="1" dirty="0" smtClean="0"/>
-              <a:t>Data</a:t>
-            </a:r>
-            <a:endParaRPr lang="zh-CN" altLang="en-US" sz="3600" b="1" dirty="0"/>
+            <a:endParaRPr lang="zh-CN" altLang="en-US" sz="4000" b="1" dirty="0" smtClean="0">
+              <a:latin typeface="+mj-lt"/>
+            </a:endParaRPr>
           </a:p>
         </p:txBody>
       </p:sp>
@@ -21451,8 +21083,8 @@
         </p:nvSpPr>
         <p:spPr>
           <a:xfrm>
-            <a:off x="765105" y="2348880"/>
-            <a:ext cx="3717762" cy="3785652"/>
+            <a:off x="765104" y="2348880"/>
+            <a:ext cx="4979983" cy="3785652"/>
           </a:xfrm>
           <a:prstGeom prst="rect">
             <a:avLst/>
@@ -21474,23 +21106,7 @@
             </a:pPr>
             <a:r>
               <a:rPr lang="en-US" altLang="zh-CN" sz="2400" dirty="0" smtClean="0"/>
-              <a:t>Web</a:t>
-            </a:r>
-            <a:r>
-              <a:rPr lang="zh-CN" altLang="en-US" sz="2400" dirty="0" smtClean="0"/>
-              <a:t> </a:t>
-            </a:r>
-            <a:r>
-              <a:rPr lang="en-US" altLang="zh-CN" sz="2400" dirty="0" smtClean="0"/>
-              <a:t>User</a:t>
-            </a:r>
-            <a:r>
-              <a:rPr lang="zh-CN" altLang="en-US" sz="2400" dirty="0" smtClean="0"/>
-              <a:t> </a:t>
-            </a:r>
-            <a:r>
-              <a:rPr lang="en-US" altLang="zh-CN" sz="2400" dirty="0" smtClean="0"/>
-              <a:t>Profiling</a:t>
+              <a:t>Introduction</a:t>
             </a:r>
             <a:endParaRPr lang="zh-CN" altLang="en-US" sz="2400" dirty="0" smtClean="0"/>
           </a:p>
@@ -21563,10 +21179,10 @@
               <a:buChar char="•"/>
             </a:pPr>
             <a:r>
-              <a:rPr lang="en-US" altLang="zh-CN" sz="2400" dirty="0" err="1"/>
+              <a:rPr lang="en-US" altLang="zh-CN" sz="2400" dirty="0" err="1" smtClean="0"/>
               <a:t>MagicFG</a:t>
             </a:r>
-            <a:endParaRPr lang="zh-CN" altLang="en-US" sz="2400" dirty="0"/>
+            <a:endParaRPr lang="zh-CN" altLang="en-US" sz="2400" dirty="0" smtClean="0"/>
           </a:p>
           <a:p>
             <a:pPr marL="342900" indent="-342900">
@@ -21577,10 +21193,10 @@
               <a:buChar char="•"/>
             </a:pPr>
             <a:r>
-              <a:rPr lang="en-US" altLang="zh-CN" sz="2400" dirty="0"/>
+              <a:rPr lang="en-US" altLang="zh-CN" sz="2400" dirty="0" smtClean="0"/>
               <a:t>Experiments</a:t>
             </a:r>
-            <a:endParaRPr lang="zh-CN" altLang="en-US" sz="2400" dirty="0"/>
+            <a:endParaRPr lang="zh-CN" altLang="en-US" sz="2400" dirty="0" smtClean="0"/>
           </a:p>
           <a:p>
             <a:pPr marL="342900" indent="-342900">
@@ -21591,7 +21207,7 @@
               <a:buChar char="•"/>
             </a:pPr>
             <a:r>
-              <a:rPr lang="en-US" altLang="zh-CN" sz="2400" dirty="0"/>
+              <a:rPr lang="en-US" altLang="zh-CN" sz="2400" dirty="0" smtClean="0"/>
               <a:t>Conclusion</a:t>
             </a:r>
             <a:endParaRPr lang="en-US" sz="2400" dirty="0"/>
@@ -21601,7 +21217,7 @@
     </p:spTree>
     <p:extLst>
       <p:ext uri="{BB962C8B-B14F-4D97-AF65-F5344CB8AC3E}">
-        <p14:creationId xmlns:p14="http://schemas.microsoft.com/office/powerpoint/2010/main" val="1090560172"/>
+        <p14:creationId xmlns:p14="http://schemas.microsoft.com/office/powerpoint/2010/main" val="767279783"/>
       </p:ext>
     </p:extLst>
   </p:cSld>
